--- a/assets/sources.pptx
+++ b/assets/sources.pptx
@@ -9,6 +9,7 @@
     <p:sldId id="257" r:id="rId3"/>
     <p:sldId id="258" r:id="rId4"/>
     <p:sldId id="259" r:id="rId5"/>
+    <p:sldId id="260" r:id="rId6"/>
   </p:sldIdLst>
   <p:sldSz cx="12192000" cy="6858000"/>
   <p:notesSz cx="6858000" cy="9144000"/>
@@ -107,6 +108,11 @@
       </a:defRPr>
     </a:lvl9pPr>
   </p:defaultTextStyle>
+  <p:extLst>
+    <p:ext uri="{EFAFB233-063F-42B5-8137-9DF3F51BA10A}">
+      <p15:sldGuideLst xmlns:p15="http://schemas.microsoft.com/office/powerpoint/2012/main"/>
+    </p:ext>
+  </p:extLst>
 </p:presentation>
 </file>
 
@@ -257,7 +263,7 @@
           <a:p>
             <a:fld id="{C79F0725-D5E2-479C-8C83-A11862F1B3EE}" type="datetimeFigureOut">
               <a:rPr lang="en-US" smtClean="0"/>
-              <a:t>7/22/2019</a:t>
+              <a:t>7/24/2019</a:t>
             </a:fld>
             <a:endParaRPr lang="en-US"/>
           </a:p>
@@ -455,7 +461,7 @@
           <a:p>
             <a:fld id="{C79F0725-D5E2-479C-8C83-A11862F1B3EE}" type="datetimeFigureOut">
               <a:rPr lang="en-US" smtClean="0"/>
-              <a:t>7/22/2019</a:t>
+              <a:t>7/24/2019</a:t>
             </a:fld>
             <a:endParaRPr lang="en-US"/>
           </a:p>
@@ -663,7 +669,7 @@
           <a:p>
             <a:fld id="{C79F0725-D5E2-479C-8C83-A11862F1B3EE}" type="datetimeFigureOut">
               <a:rPr lang="en-US" smtClean="0"/>
-              <a:t>7/22/2019</a:t>
+              <a:t>7/24/2019</a:t>
             </a:fld>
             <a:endParaRPr lang="en-US"/>
           </a:p>
@@ -861,7 +867,7 @@
           <a:p>
             <a:fld id="{C79F0725-D5E2-479C-8C83-A11862F1B3EE}" type="datetimeFigureOut">
               <a:rPr lang="en-US" smtClean="0"/>
-              <a:t>7/22/2019</a:t>
+              <a:t>7/24/2019</a:t>
             </a:fld>
             <a:endParaRPr lang="en-US"/>
           </a:p>
@@ -1136,7 +1142,7 @@
           <a:p>
             <a:fld id="{C79F0725-D5E2-479C-8C83-A11862F1B3EE}" type="datetimeFigureOut">
               <a:rPr lang="en-US" smtClean="0"/>
-              <a:t>7/22/2019</a:t>
+              <a:t>7/24/2019</a:t>
             </a:fld>
             <a:endParaRPr lang="en-US"/>
           </a:p>
@@ -1401,7 +1407,7 @@
           <a:p>
             <a:fld id="{C79F0725-D5E2-479C-8C83-A11862F1B3EE}" type="datetimeFigureOut">
               <a:rPr lang="en-US" smtClean="0"/>
-              <a:t>7/22/2019</a:t>
+              <a:t>7/24/2019</a:t>
             </a:fld>
             <a:endParaRPr lang="en-US"/>
           </a:p>
@@ -1813,7 +1819,7 @@
           <a:p>
             <a:fld id="{C79F0725-D5E2-479C-8C83-A11862F1B3EE}" type="datetimeFigureOut">
               <a:rPr lang="en-US" smtClean="0"/>
-              <a:t>7/22/2019</a:t>
+              <a:t>7/24/2019</a:t>
             </a:fld>
             <a:endParaRPr lang="en-US"/>
           </a:p>
@@ -1954,7 +1960,7 @@
           <a:p>
             <a:fld id="{C79F0725-D5E2-479C-8C83-A11862F1B3EE}" type="datetimeFigureOut">
               <a:rPr lang="en-US" smtClean="0"/>
-              <a:t>7/22/2019</a:t>
+              <a:t>7/24/2019</a:t>
             </a:fld>
             <a:endParaRPr lang="en-US"/>
           </a:p>
@@ -2067,7 +2073,7 @@
           <a:p>
             <a:fld id="{C79F0725-D5E2-479C-8C83-A11862F1B3EE}" type="datetimeFigureOut">
               <a:rPr lang="en-US" smtClean="0"/>
-              <a:t>7/22/2019</a:t>
+              <a:t>7/24/2019</a:t>
             </a:fld>
             <a:endParaRPr lang="en-US"/>
           </a:p>
@@ -2378,7 +2384,7 @@
           <a:p>
             <a:fld id="{C79F0725-D5E2-479C-8C83-A11862F1B3EE}" type="datetimeFigureOut">
               <a:rPr lang="en-US" smtClean="0"/>
-              <a:t>7/22/2019</a:t>
+              <a:t>7/24/2019</a:t>
             </a:fld>
             <a:endParaRPr lang="en-US"/>
           </a:p>
@@ -2666,7 +2672,7 @@
           <a:p>
             <a:fld id="{C79F0725-D5E2-479C-8C83-A11862F1B3EE}" type="datetimeFigureOut">
               <a:rPr lang="en-US" smtClean="0"/>
-              <a:t>7/22/2019</a:t>
+              <a:t>7/24/2019</a:t>
             </a:fld>
             <a:endParaRPr lang="en-US"/>
           </a:p>
@@ -2907,7 +2913,7 @@
           <a:p>
             <a:fld id="{C79F0725-D5E2-479C-8C83-A11862F1B3EE}" type="datetimeFigureOut">
               <a:rPr lang="en-US" smtClean="0"/>
-              <a:t>7/22/2019</a:t>
+              <a:t>7/24/2019</a:t>
             </a:fld>
             <a:endParaRPr lang="en-US"/>
           </a:p>
@@ -3989,6 +3995,368 @@
 </p:sld>
 </file>
 
+<file path=ppt/slides/slide5.xml><?xml version="1.0" encoding="utf-8"?>
+<p:sld xmlns:a="http://schemas.openxmlformats.org/drawingml/2006/main" xmlns:r="http://schemas.openxmlformats.org/officeDocument/2006/relationships" xmlns:p="http://schemas.openxmlformats.org/presentationml/2006/main">
+  <p:cSld>
+    <p:bg>
+      <p:bgPr>
+        <a:solidFill>
+          <a:schemeClr val="bg1"/>
+        </a:solidFill>
+        <a:effectLst/>
+      </p:bgPr>
+    </p:bg>
+    <p:spTree>
+      <p:nvGrpSpPr>
+        <p:cNvPr id="1" name=""/>
+        <p:cNvGrpSpPr/>
+        <p:nvPr/>
+      </p:nvGrpSpPr>
+      <p:grpSpPr>
+        <a:xfrm>
+          <a:off x="0" y="0"/>
+          <a:ext cx="0" cy="0"/>
+          <a:chOff x="0" y="0"/>
+          <a:chExt cx="0" cy="0"/>
+        </a:xfrm>
+      </p:grpSpPr>
+      <p:sp>
+        <p:nvSpPr>
+          <p:cNvPr id="15" name="Rectangle 14">
+            <a:extLst>
+              <a:ext uri="{FF2B5EF4-FFF2-40B4-BE49-F238E27FC236}">
+                <a16:creationId xmlns:a16="http://schemas.microsoft.com/office/drawing/2014/main" id="{01D0AF59-99C3-4251-AB9A-C966C6AD4400}"/>
+              </a:ext>
+              <a:ext uri="{C183D7F6-B498-43B3-948B-1728B52AA6E4}">
+                <adec:decorative xmlns:adec="http://schemas.microsoft.com/office/drawing/2017/decorative" val="1"/>
+              </a:ext>
+            </a:extLst>
+          </p:cNvPr>
+          <p:cNvSpPr>
+            <a:spLocks noGrp="1" noRot="1" noChangeAspect="1" noMove="1" noResize="1" noEditPoints="1" noAdjustHandles="1" noChangeArrowheads="1" noChangeShapeType="1" noTextEdit="1"/>
+          </p:cNvSpPr>
+          <p:nvPr>
+            <p:extLst>
+              <p:ext uri="{386F3935-93C4-4BCD-93E2-E3B085C9AB24}">
+                <p16:designElem xmlns:p16="http://schemas.microsoft.com/office/powerpoint/2015/main" val="1"/>
+              </p:ext>
+            </p:extLst>
+          </p:nvPr>
+        </p:nvSpPr>
+        <p:spPr>
+          <a:xfrm>
+            <a:off x="0" y="0"/>
+            <a:ext cx="12192000" cy="6858000"/>
+          </a:xfrm>
+          <a:prstGeom prst="rect">
+            <a:avLst/>
+          </a:prstGeom>
+          <a:solidFill>
+            <a:schemeClr val="bg2"/>
+          </a:solidFill>
+          <a:ln>
+            <a:solidFill>
+              <a:schemeClr val="bg1"/>
+            </a:solidFill>
+          </a:ln>
+        </p:spPr>
+        <p:style>
+          <a:lnRef idx="2">
+            <a:schemeClr val="accent1">
+              <a:shade val="50000"/>
+            </a:schemeClr>
+          </a:lnRef>
+          <a:fillRef idx="1">
+            <a:schemeClr val="accent1"/>
+          </a:fillRef>
+          <a:effectRef idx="0">
+            <a:schemeClr val="accent1"/>
+          </a:effectRef>
+          <a:fontRef idx="minor">
+            <a:schemeClr val="lt1"/>
+          </a:fontRef>
+        </p:style>
+        <p:txBody>
+          <a:bodyPr rtlCol="0" anchor="ctr"/>
+          <a:lstStyle/>
+          <a:p>
+            <a:pPr algn="ctr"/>
+            <a:endParaRPr lang="en-US"/>
+          </a:p>
+        </p:txBody>
+      </p:sp>
+      <p:sp>
+        <p:nvSpPr>
+          <p:cNvPr id="17" name="Rectangle 16">
+            <a:extLst>
+              <a:ext uri="{FF2B5EF4-FFF2-40B4-BE49-F238E27FC236}">
+                <a16:creationId xmlns:a16="http://schemas.microsoft.com/office/drawing/2014/main" id="{1855405F-37A2-4869-9154-F8BE3BECE6C3}"/>
+              </a:ext>
+              <a:ext uri="{C183D7F6-B498-43B3-948B-1728B52AA6E4}">
+                <adec:decorative xmlns:adec="http://schemas.microsoft.com/office/drawing/2017/decorative" val="1"/>
+              </a:ext>
+            </a:extLst>
+          </p:cNvPr>
+          <p:cNvSpPr>
+            <a:spLocks noGrp="1" noRot="1" noChangeAspect="1" noMove="1" noResize="1" noEditPoints="1" noAdjustHandles="1" noChangeArrowheads="1" noChangeShapeType="1" noTextEdit="1"/>
+          </p:cNvSpPr>
+          <p:nvPr>
+            <p:extLst>
+              <p:ext uri="{386F3935-93C4-4BCD-93E2-E3B085C9AB24}">
+                <p16:designElem xmlns:p16="http://schemas.microsoft.com/office/powerpoint/2015/main" val="1"/>
+              </p:ext>
+            </p:extLst>
+          </p:nvPr>
+        </p:nvSpPr>
+        <p:spPr>
+          <a:xfrm>
+            <a:off x="477012" y="480060"/>
+            <a:ext cx="11237976" cy="5897880"/>
+          </a:xfrm>
+          <a:prstGeom prst="rect">
+            <a:avLst/>
+          </a:prstGeom>
+          <a:solidFill>
+            <a:srgbClr val="FFFFFF"/>
+          </a:solidFill>
+          <a:ln w="9525">
+            <a:solidFill>
+              <a:schemeClr val="bg1"/>
+            </a:solidFill>
+          </a:ln>
+          <a:effectLst>
+            <a:outerShdw blurRad="63500" dist="17780" dir="5400000" algn="t" rotWithShape="0">
+              <a:prstClr val="black">
+                <a:alpha val="43000"/>
+              </a:prstClr>
+            </a:outerShdw>
+          </a:effectLst>
+        </p:spPr>
+        <p:style>
+          <a:lnRef idx="2">
+            <a:schemeClr val="accent1">
+              <a:shade val="50000"/>
+            </a:schemeClr>
+          </a:lnRef>
+          <a:fillRef idx="1">
+            <a:schemeClr val="accent1"/>
+          </a:fillRef>
+          <a:effectRef idx="0">
+            <a:schemeClr val="accent1"/>
+          </a:effectRef>
+          <a:fontRef idx="minor">
+            <a:schemeClr val="lt1"/>
+          </a:fontRef>
+        </p:style>
+        <p:txBody>
+          <a:bodyPr rtlCol="0" anchor="ctr"/>
+          <a:lstStyle/>
+          <a:p>
+            <a:pPr algn="ctr"/>
+            <a:endParaRPr lang="en-US"/>
+          </a:p>
+        </p:txBody>
+      </p:sp>
+      <p:grpSp>
+        <p:nvGrpSpPr>
+          <p:cNvPr id="19" name="Group 18">
+            <a:extLst>
+              <a:ext uri="{FF2B5EF4-FFF2-40B4-BE49-F238E27FC236}">
+                <a16:creationId xmlns:a16="http://schemas.microsoft.com/office/drawing/2014/main" id="{2EC4B203-0174-473F-9D9E-A1AE28251B66}"/>
+              </a:ext>
+            </a:extLst>
+          </p:cNvPr>
+          <p:cNvGrpSpPr/>
+          <p:nvPr/>
+        </p:nvGrpSpPr>
+        <p:grpSpPr>
+          <a:xfrm>
+            <a:off x="5726097" y="1535837"/>
+            <a:ext cx="3826276" cy="3826276"/>
+            <a:chOff x="5726097" y="1535837"/>
+            <a:chExt cx="3826276" cy="3826276"/>
+          </a:xfrm>
+        </p:grpSpPr>
+        <p:sp>
+          <p:nvSpPr>
+            <p:cNvPr id="14" name="Oval 13">
+              <a:extLst>
+                <a:ext uri="{FF2B5EF4-FFF2-40B4-BE49-F238E27FC236}">
+                  <a16:creationId xmlns:a16="http://schemas.microsoft.com/office/drawing/2014/main" id="{57A084EF-46BA-45D6-BA72-F36396F3AF4C}"/>
+                </a:ext>
+              </a:extLst>
+            </p:cNvPr>
+            <p:cNvSpPr/>
+            <p:nvPr/>
+          </p:nvSpPr>
+          <p:spPr>
+            <a:xfrm>
+              <a:off x="5726097" y="1535837"/>
+              <a:ext cx="3826276" cy="3826276"/>
+            </a:xfrm>
+            <a:prstGeom prst="ellipse">
+              <a:avLst/>
+            </a:prstGeom>
+            <a:solidFill>
+              <a:srgbClr val="49A0AE"/>
+            </a:solidFill>
+            <a:ln>
+              <a:solidFill>
+                <a:schemeClr val="bg1"/>
+              </a:solidFill>
+            </a:ln>
+          </p:spPr>
+          <p:style>
+            <a:lnRef idx="2">
+              <a:schemeClr val="accent1">
+                <a:shade val="50000"/>
+              </a:schemeClr>
+            </a:lnRef>
+            <a:fillRef idx="1">
+              <a:schemeClr val="accent1"/>
+            </a:fillRef>
+            <a:effectRef idx="0">
+              <a:schemeClr val="accent1"/>
+            </a:effectRef>
+            <a:fontRef idx="minor">
+              <a:schemeClr val="lt1"/>
+            </a:fontRef>
+          </p:style>
+          <p:txBody>
+            <a:bodyPr rtlCol="0" anchor="ctr"/>
+            <a:lstStyle/>
+            <a:p>
+              <a:pPr algn="ctr"/>
+              <a:endParaRPr lang="en-US"/>
+            </a:p>
+          </p:txBody>
+        </p:sp>
+        <p:sp>
+          <p:nvSpPr>
+            <p:cNvPr id="18" name="Rectangle: Rounded Corners 17">
+              <a:extLst>
+                <a:ext uri="{FF2B5EF4-FFF2-40B4-BE49-F238E27FC236}">
+                  <a16:creationId xmlns:a16="http://schemas.microsoft.com/office/drawing/2014/main" id="{182ED3BD-C130-4122-B060-5C3AD43E132E}"/>
+                </a:ext>
+              </a:extLst>
+            </p:cNvPr>
+            <p:cNvSpPr/>
+            <p:nvPr/>
+          </p:nvSpPr>
+          <p:spPr>
+            <a:xfrm rot="2563925">
+              <a:off x="7430610" y="2096567"/>
+              <a:ext cx="417250" cy="2704817"/>
+            </a:xfrm>
+            <a:prstGeom prst="roundRect">
+              <a:avLst>
+                <a:gd name="adj" fmla="val 50000"/>
+              </a:avLst>
+            </a:prstGeom>
+            <a:solidFill>
+              <a:schemeClr val="bg1"/>
+            </a:solidFill>
+            <a:ln>
+              <a:solidFill>
+                <a:schemeClr val="bg1"/>
+              </a:solidFill>
+            </a:ln>
+          </p:spPr>
+          <p:style>
+            <a:lnRef idx="2">
+              <a:schemeClr val="accent1">
+                <a:shade val="50000"/>
+              </a:schemeClr>
+            </a:lnRef>
+            <a:fillRef idx="1">
+              <a:schemeClr val="accent1"/>
+            </a:fillRef>
+            <a:effectRef idx="0">
+              <a:schemeClr val="accent1"/>
+            </a:effectRef>
+            <a:fontRef idx="minor">
+              <a:schemeClr val="lt1"/>
+            </a:fontRef>
+          </p:style>
+          <p:txBody>
+            <a:bodyPr rtlCol="0" anchor="ctr"/>
+            <a:lstStyle/>
+            <a:p>
+              <a:pPr algn="ctr"/>
+              <a:endParaRPr lang="en-US"/>
+            </a:p>
+          </p:txBody>
+        </p:sp>
+        <p:sp>
+          <p:nvSpPr>
+            <p:cNvPr id="21" name="Rectangle: Rounded Corners 20">
+              <a:extLst>
+                <a:ext uri="{FF2B5EF4-FFF2-40B4-BE49-F238E27FC236}">
+                  <a16:creationId xmlns:a16="http://schemas.microsoft.com/office/drawing/2014/main" id="{AB82E019-C102-44BA-AA41-1FA7662D7D81}"/>
+                </a:ext>
+              </a:extLst>
+            </p:cNvPr>
+            <p:cNvSpPr/>
+            <p:nvPr/>
+          </p:nvSpPr>
+          <p:spPr>
+            <a:xfrm rot="18828388">
+              <a:off x="7491462" y="2096567"/>
+              <a:ext cx="417250" cy="2704817"/>
+            </a:xfrm>
+            <a:prstGeom prst="roundRect">
+              <a:avLst>
+                <a:gd name="adj" fmla="val 50000"/>
+              </a:avLst>
+            </a:prstGeom>
+            <a:solidFill>
+              <a:schemeClr val="bg1"/>
+            </a:solidFill>
+            <a:ln>
+              <a:solidFill>
+                <a:schemeClr val="bg1"/>
+              </a:solidFill>
+            </a:ln>
+          </p:spPr>
+          <p:style>
+            <a:lnRef idx="2">
+              <a:schemeClr val="accent1">
+                <a:shade val="50000"/>
+              </a:schemeClr>
+            </a:lnRef>
+            <a:fillRef idx="1">
+              <a:schemeClr val="accent1"/>
+            </a:fillRef>
+            <a:effectRef idx="0">
+              <a:schemeClr val="accent1"/>
+            </a:effectRef>
+            <a:fontRef idx="minor">
+              <a:schemeClr val="lt1"/>
+            </a:fontRef>
+          </p:style>
+          <p:txBody>
+            <a:bodyPr rtlCol="0" anchor="ctr"/>
+            <a:lstStyle/>
+            <a:p>
+              <a:pPr algn="ctr"/>
+              <a:endParaRPr lang="en-US"/>
+            </a:p>
+          </p:txBody>
+        </p:sp>
+      </p:grpSp>
+    </p:spTree>
+    <p:extLst>
+      <p:ext uri="{BB962C8B-B14F-4D97-AF65-F5344CB8AC3E}">
+        <p14:creationId xmlns:p14="http://schemas.microsoft.com/office/powerpoint/2010/main" val="3057311061"/>
+      </p:ext>
+    </p:extLst>
+  </p:cSld>
+  <p:clrMapOvr>
+    <a:masterClrMapping/>
+  </p:clrMapOvr>
+</p:sld>
+</file>
+
 <file path=ppt/theme/theme1.xml><?xml version="1.0" encoding="utf-8"?>
 <a:theme xmlns:a="http://schemas.openxmlformats.org/drawingml/2006/main" name="Office Theme">
   <a:themeElements>
